--- a/images/posts/post_2/新建 Microsoft PowerPoint 演示文稿.pptx
+++ b/images/posts/post_2/新建 Microsoft PowerPoint 演示文稿.pptx
@@ -105,6 +105,11 @@
       </a:defRPr>
     </a:lvl9pPr>
   </p:defaultTextStyle>
+  <p:extLst>
+    <p:ext uri="{EFAFB233-063F-42B5-8137-9DF3F51BA10A}">
+      <p15:sldGuideLst xmlns:p15="http://schemas.microsoft.com/office/powerpoint/2012/main"/>
+    </p:ext>
+  </p:extLst>
 </p:presentation>
 </file>
 
@@ -3424,6 +3429,78 @@
           <a:chExt cx="0" cy="0"/>
         </a:xfrm>
       </p:grpSpPr>
+      <p:pic>
+        <p:nvPicPr>
+          <p:cNvPr id="3" name="图片 2" descr="图表, 折线图&#10;&#10;AI 生成的内容可能不正确。">
+            <a:extLst>
+              <a:ext uri="{FF2B5EF4-FFF2-40B4-BE49-F238E27FC236}">
+                <a16:creationId xmlns:a16="http://schemas.microsoft.com/office/drawing/2014/main" id="{44B49D1B-2979-728F-B113-008693E33438}"/>
+              </a:ext>
+            </a:extLst>
+          </p:cNvPr>
+          <p:cNvPicPr>
+            <a:picLocks noChangeAspect="1"/>
+          </p:cNvPicPr>
+          <p:nvPr/>
+        </p:nvPicPr>
+        <p:blipFill>
+          <a:blip r:embed="rId2">
+            <a:extLst>
+              <a:ext uri="{28A0092B-C50C-407E-A947-70E740481C1C}">
+                <a14:useLocalDpi xmlns:a14="http://schemas.microsoft.com/office/drawing/2010/main" val="0"/>
+              </a:ext>
+            </a:extLst>
+          </a:blip>
+          <a:stretch>
+            <a:fillRect/>
+          </a:stretch>
+        </p:blipFill>
+        <p:spPr>
+          <a:xfrm>
+            <a:off x="6486000" y="1142995"/>
+            <a:ext cx="5706000" cy="4075714"/>
+          </a:xfrm>
+          <a:prstGeom prst="rect">
+            <a:avLst/>
+          </a:prstGeom>
+        </p:spPr>
+      </p:pic>
+      <p:pic>
+        <p:nvPicPr>
+          <p:cNvPr id="5" name="图片 4" descr="图表, 折线图&#10;&#10;AI 生成的内容可能不正确。">
+            <a:extLst>
+              <a:ext uri="{FF2B5EF4-FFF2-40B4-BE49-F238E27FC236}">
+                <a16:creationId xmlns:a16="http://schemas.microsoft.com/office/drawing/2014/main" id="{D98D2EE6-A956-0993-958A-1B95961D437B}"/>
+              </a:ext>
+            </a:extLst>
+          </p:cNvPr>
+          <p:cNvPicPr>
+            <a:picLocks noChangeAspect="1"/>
+          </p:cNvPicPr>
+          <p:nvPr/>
+        </p:nvPicPr>
+        <p:blipFill>
+          <a:blip r:embed="rId3">
+            <a:extLst>
+              <a:ext uri="{28A0092B-C50C-407E-A947-70E740481C1C}">
+                <a14:useLocalDpi xmlns:a14="http://schemas.microsoft.com/office/drawing/2010/main" val="0"/>
+              </a:ext>
+            </a:extLst>
+          </a:blip>
+          <a:stretch>
+            <a:fillRect/>
+          </a:stretch>
+        </p:blipFill>
+        <p:spPr>
+          <a:xfrm>
+            <a:off x="1" y="1142995"/>
+            <a:ext cx="5706000" cy="4075714"/>
+          </a:xfrm>
+          <a:prstGeom prst="rect">
+            <a:avLst/>
+          </a:prstGeom>
+        </p:spPr>
+      </p:pic>
     </p:spTree>
     <p:extLst>
       <p:ext uri="{BB962C8B-B14F-4D97-AF65-F5344CB8AC3E}">

--- a/images/posts/post_2/新建 Microsoft PowerPoint 演示文稿.pptx
+++ b/images/posts/post_2/新建 Microsoft PowerPoint 演示文稿.pptx
@@ -7,6 +7,7 @@
   <p:sldIdLst>
     <p:sldId id="256" r:id="rId2"/>
     <p:sldId id="257" r:id="rId3"/>
+    <p:sldId id="258" r:id="rId4"/>
   </p:sldIdLst>
   <p:sldSz cx="12192000" cy="6858000"/>
   <p:notesSz cx="6858000" cy="9144000"/>
@@ -260,7 +261,7 @@
           <a:p>
             <a:fld id="{89F3E5B7-C12F-4517-B12C-274743D69224}" type="datetimeFigureOut">
               <a:rPr lang="zh-CN" altLang="en-US" smtClean="0"/>
-              <a:t>2025/8/9</a:t>
+              <a:t>2025/9/1</a:t>
             </a:fld>
             <a:endParaRPr lang="zh-CN" altLang="en-US"/>
           </a:p>
@@ -458,7 +459,7 @@
           <a:p>
             <a:fld id="{89F3E5B7-C12F-4517-B12C-274743D69224}" type="datetimeFigureOut">
               <a:rPr lang="zh-CN" altLang="en-US" smtClean="0"/>
-              <a:t>2025/8/9</a:t>
+              <a:t>2025/9/1</a:t>
             </a:fld>
             <a:endParaRPr lang="zh-CN" altLang="en-US"/>
           </a:p>
@@ -666,7 +667,7 @@
           <a:p>
             <a:fld id="{89F3E5B7-C12F-4517-B12C-274743D69224}" type="datetimeFigureOut">
               <a:rPr lang="zh-CN" altLang="en-US" smtClean="0"/>
-              <a:t>2025/8/9</a:t>
+              <a:t>2025/9/1</a:t>
             </a:fld>
             <a:endParaRPr lang="zh-CN" altLang="en-US"/>
           </a:p>
@@ -864,7 +865,7 @@
           <a:p>
             <a:fld id="{89F3E5B7-C12F-4517-B12C-274743D69224}" type="datetimeFigureOut">
               <a:rPr lang="zh-CN" altLang="en-US" smtClean="0"/>
-              <a:t>2025/8/9</a:t>
+              <a:t>2025/9/1</a:t>
             </a:fld>
             <a:endParaRPr lang="zh-CN" altLang="en-US"/>
           </a:p>
@@ -1139,7 +1140,7 @@
           <a:p>
             <a:fld id="{89F3E5B7-C12F-4517-B12C-274743D69224}" type="datetimeFigureOut">
               <a:rPr lang="zh-CN" altLang="en-US" smtClean="0"/>
-              <a:t>2025/8/9</a:t>
+              <a:t>2025/9/1</a:t>
             </a:fld>
             <a:endParaRPr lang="zh-CN" altLang="en-US"/>
           </a:p>
@@ -1404,7 +1405,7 @@
           <a:p>
             <a:fld id="{89F3E5B7-C12F-4517-B12C-274743D69224}" type="datetimeFigureOut">
               <a:rPr lang="zh-CN" altLang="en-US" smtClean="0"/>
-              <a:t>2025/8/9</a:t>
+              <a:t>2025/9/1</a:t>
             </a:fld>
             <a:endParaRPr lang="zh-CN" altLang="en-US"/>
           </a:p>
@@ -1816,7 +1817,7 @@
           <a:p>
             <a:fld id="{89F3E5B7-C12F-4517-B12C-274743D69224}" type="datetimeFigureOut">
               <a:rPr lang="zh-CN" altLang="en-US" smtClean="0"/>
-              <a:t>2025/8/9</a:t>
+              <a:t>2025/9/1</a:t>
             </a:fld>
             <a:endParaRPr lang="zh-CN" altLang="en-US"/>
           </a:p>
@@ -1957,7 +1958,7 @@
           <a:p>
             <a:fld id="{89F3E5B7-C12F-4517-B12C-274743D69224}" type="datetimeFigureOut">
               <a:rPr lang="zh-CN" altLang="en-US" smtClean="0"/>
-              <a:t>2025/8/9</a:t>
+              <a:t>2025/9/1</a:t>
             </a:fld>
             <a:endParaRPr lang="zh-CN" altLang="en-US"/>
           </a:p>
@@ -2070,7 +2071,7 @@
           <a:p>
             <a:fld id="{89F3E5B7-C12F-4517-B12C-274743D69224}" type="datetimeFigureOut">
               <a:rPr lang="zh-CN" altLang="en-US" smtClean="0"/>
-              <a:t>2025/8/9</a:t>
+              <a:t>2025/9/1</a:t>
             </a:fld>
             <a:endParaRPr lang="zh-CN" altLang="en-US"/>
           </a:p>
@@ -2381,7 +2382,7 @@
           <a:p>
             <a:fld id="{89F3E5B7-C12F-4517-B12C-274743D69224}" type="datetimeFigureOut">
               <a:rPr lang="zh-CN" altLang="en-US" smtClean="0"/>
-              <a:t>2025/8/9</a:t>
+              <a:t>2025/9/1</a:t>
             </a:fld>
             <a:endParaRPr lang="zh-CN" altLang="en-US"/>
           </a:p>
@@ -2669,7 +2670,7 @@
           <a:p>
             <a:fld id="{89F3E5B7-C12F-4517-B12C-274743D69224}" type="datetimeFigureOut">
               <a:rPr lang="zh-CN" altLang="en-US" smtClean="0"/>
-              <a:t>2025/8/9</a:t>
+              <a:t>2025/9/1</a:t>
             </a:fld>
             <a:endParaRPr lang="zh-CN" altLang="en-US"/>
           </a:p>
@@ -2910,7 +2911,7 @@
           <a:p>
             <a:fld id="{89F3E5B7-C12F-4517-B12C-274743D69224}" type="datetimeFigureOut">
               <a:rPr lang="zh-CN" altLang="en-US" smtClean="0"/>
-              <a:t>2025/8/9</a:t>
+              <a:t>2025/9/1</a:t>
             </a:fld>
             <a:endParaRPr lang="zh-CN" altLang="en-US"/>
           </a:p>
@@ -3514,6 +3515,108 @@
 </p:sld>
 </file>
 
+<file path=ppt/slides/slide3.xml><?xml version="1.0" encoding="utf-8"?>
+<p:sld xmlns:a="http://schemas.openxmlformats.org/drawingml/2006/main" xmlns:r="http://schemas.openxmlformats.org/officeDocument/2006/relationships" xmlns:p="http://schemas.openxmlformats.org/presentationml/2006/main">
+  <p:cSld>
+    <p:spTree>
+      <p:nvGrpSpPr>
+        <p:cNvPr id="1" name=""/>
+        <p:cNvGrpSpPr/>
+        <p:nvPr/>
+      </p:nvGrpSpPr>
+      <p:grpSpPr>
+        <a:xfrm>
+          <a:off x="0" y="0"/>
+          <a:ext cx="0" cy="0"/>
+          <a:chOff x="0" y="0"/>
+          <a:chExt cx="0" cy="0"/>
+        </a:xfrm>
+      </p:grpSpPr>
+      <p:pic>
+        <p:nvPicPr>
+          <p:cNvPr id="5" name="图片 4" descr="图表, 折线图&#10;&#10;AI 生成的内容可能不正确。">
+            <a:extLst>
+              <a:ext uri="{FF2B5EF4-FFF2-40B4-BE49-F238E27FC236}">
+                <a16:creationId xmlns:a16="http://schemas.microsoft.com/office/drawing/2014/main" id="{0B84262A-4592-E549-905F-13648640E349}"/>
+              </a:ext>
+            </a:extLst>
+          </p:cNvPr>
+          <p:cNvPicPr>
+            <a:picLocks noChangeAspect="1"/>
+          </p:cNvPicPr>
+          <p:nvPr/>
+        </p:nvPicPr>
+        <p:blipFill>
+          <a:blip r:embed="rId2">
+            <a:extLst>
+              <a:ext uri="{28A0092B-C50C-407E-A947-70E740481C1C}">
+                <a14:useLocalDpi xmlns:a14="http://schemas.microsoft.com/office/drawing/2010/main" val="0"/>
+              </a:ext>
+            </a:extLst>
+          </a:blip>
+          <a:stretch>
+            <a:fillRect/>
+          </a:stretch>
+        </p:blipFill>
+        <p:spPr>
+          <a:xfrm>
+            <a:off x="-1" y="1142995"/>
+            <a:ext cx="5705280" cy="4075200"/>
+          </a:xfrm>
+          <a:prstGeom prst="rect">
+            <a:avLst/>
+          </a:prstGeom>
+        </p:spPr>
+      </p:pic>
+      <p:pic>
+        <p:nvPicPr>
+          <p:cNvPr id="7" name="图片 6" descr="图表, 折线图&#10;&#10;AI 生成的内容可能不正确。">
+            <a:extLst>
+              <a:ext uri="{FF2B5EF4-FFF2-40B4-BE49-F238E27FC236}">
+                <a16:creationId xmlns:a16="http://schemas.microsoft.com/office/drawing/2014/main" id="{DAAA42AF-FBF2-1BF9-E5E0-BB4A2F0FDC21}"/>
+              </a:ext>
+            </a:extLst>
+          </p:cNvPr>
+          <p:cNvPicPr>
+            <a:picLocks noChangeAspect="1"/>
+          </p:cNvPicPr>
+          <p:nvPr/>
+        </p:nvPicPr>
+        <p:blipFill>
+          <a:blip r:embed="rId3">
+            <a:extLst>
+              <a:ext uri="{28A0092B-C50C-407E-A947-70E740481C1C}">
+                <a14:useLocalDpi xmlns:a14="http://schemas.microsoft.com/office/drawing/2010/main" val="0"/>
+              </a:ext>
+            </a:extLst>
+          </a:blip>
+          <a:stretch>
+            <a:fillRect/>
+          </a:stretch>
+        </p:blipFill>
+        <p:spPr>
+          <a:xfrm>
+            <a:off x="6486720" y="1142995"/>
+            <a:ext cx="5705280" cy="4075200"/>
+          </a:xfrm>
+          <a:prstGeom prst="rect">
+            <a:avLst/>
+          </a:prstGeom>
+        </p:spPr>
+      </p:pic>
+    </p:spTree>
+    <p:extLst>
+      <p:ext uri="{BB962C8B-B14F-4D97-AF65-F5344CB8AC3E}">
+        <p14:creationId xmlns:p14="http://schemas.microsoft.com/office/powerpoint/2010/main" val="284192962"/>
+      </p:ext>
+    </p:extLst>
+  </p:cSld>
+  <p:clrMapOvr>
+    <a:masterClrMapping/>
+  </p:clrMapOvr>
+</p:sld>
+</file>
+
 <file path=ppt/theme/theme1.xml><?xml version="1.0" encoding="utf-8"?>
 <a:theme xmlns:a="http://schemas.openxmlformats.org/drawingml/2006/main" name="Office 主题​​">
   <a:themeElements>

--- a/images/posts/post_2/新建 Microsoft PowerPoint 演示文稿.pptx
+++ b/images/posts/post_2/新建 Microsoft PowerPoint 演示文稿.pptx
@@ -8,6 +8,7 @@
     <p:sldId id="256" r:id="rId2"/>
     <p:sldId id="257" r:id="rId3"/>
     <p:sldId id="258" r:id="rId4"/>
+    <p:sldId id="259" r:id="rId5"/>
   </p:sldIdLst>
   <p:sldSz cx="12192000" cy="6858000"/>
   <p:notesSz cx="6858000" cy="9144000"/>
@@ -261,7 +262,7 @@
           <a:p>
             <a:fld id="{89F3E5B7-C12F-4517-B12C-274743D69224}" type="datetimeFigureOut">
               <a:rPr lang="zh-CN" altLang="en-US" smtClean="0"/>
-              <a:t>2025/9/1</a:t>
+              <a:t>2025/9/4</a:t>
             </a:fld>
             <a:endParaRPr lang="zh-CN" altLang="en-US"/>
           </a:p>
@@ -459,7 +460,7 @@
           <a:p>
             <a:fld id="{89F3E5B7-C12F-4517-B12C-274743D69224}" type="datetimeFigureOut">
               <a:rPr lang="zh-CN" altLang="en-US" smtClean="0"/>
-              <a:t>2025/9/1</a:t>
+              <a:t>2025/9/4</a:t>
             </a:fld>
             <a:endParaRPr lang="zh-CN" altLang="en-US"/>
           </a:p>
@@ -667,7 +668,7 @@
           <a:p>
             <a:fld id="{89F3E5B7-C12F-4517-B12C-274743D69224}" type="datetimeFigureOut">
               <a:rPr lang="zh-CN" altLang="en-US" smtClean="0"/>
-              <a:t>2025/9/1</a:t>
+              <a:t>2025/9/4</a:t>
             </a:fld>
             <a:endParaRPr lang="zh-CN" altLang="en-US"/>
           </a:p>
@@ -865,7 +866,7 @@
           <a:p>
             <a:fld id="{89F3E5B7-C12F-4517-B12C-274743D69224}" type="datetimeFigureOut">
               <a:rPr lang="zh-CN" altLang="en-US" smtClean="0"/>
-              <a:t>2025/9/1</a:t>
+              <a:t>2025/9/4</a:t>
             </a:fld>
             <a:endParaRPr lang="zh-CN" altLang="en-US"/>
           </a:p>
@@ -1140,7 +1141,7 @@
           <a:p>
             <a:fld id="{89F3E5B7-C12F-4517-B12C-274743D69224}" type="datetimeFigureOut">
               <a:rPr lang="zh-CN" altLang="en-US" smtClean="0"/>
-              <a:t>2025/9/1</a:t>
+              <a:t>2025/9/4</a:t>
             </a:fld>
             <a:endParaRPr lang="zh-CN" altLang="en-US"/>
           </a:p>
@@ -1405,7 +1406,7 @@
           <a:p>
             <a:fld id="{89F3E5B7-C12F-4517-B12C-274743D69224}" type="datetimeFigureOut">
               <a:rPr lang="zh-CN" altLang="en-US" smtClean="0"/>
-              <a:t>2025/9/1</a:t>
+              <a:t>2025/9/4</a:t>
             </a:fld>
             <a:endParaRPr lang="zh-CN" altLang="en-US"/>
           </a:p>
@@ -1817,7 +1818,7 @@
           <a:p>
             <a:fld id="{89F3E5B7-C12F-4517-B12C-274743D69224}" type="datetimeFigureOut">
               <a:rPr lang="zh-CN" altLang="en-US" smtClean="0"/>
-              <a:t>2025/9/1</a:t>
+              <a:t>2025/9/4</a:t>
             </a:fld>
             <a:endParaRPr lang="zh-CN" altLang="en-US"/>
           </a:p>
@@ -1958,7 +1959,7 @@
           <a:p>
             <a:fld id="{89F3E5B7-C12F-4517-B12C-274743D69224}" type="datetimeFigureOut">
               <a:rPr lang="zh-CN" altLang="en-US" smtClean="0"/>
-              <a:t>2025/9/1</a:t>
+              <a:t>2025/9/4</a:t>
             </a:fld>
             <a:endParaRPr lang="zh-CN" altLang="en-US"/>
           </a:p>
@@ -2071,7 +2072,7 @@
           <a:p>
             <a:fld id="{89F3E5B7-C12F-4517-B12C-274743D69224}" type="datetimeFigureOut">
               <a:rPr lang="zh-CN" altLang="en-US" smtClean="0"/>
-              <a:t>2025/9/1</a:t>
+              <a:t>2025/9/4</a:t>
             </a:fld>
             <a:endParaRPr lang="zh-CN" altLang="en-US"/>
           </a:p>
@@ -2382,7 +2383,7 @@
           <a:p>
             <a:fld id="{89F3E5B7-C12F-4517-B12C-274743D69224}" type="datetimeFigureOut">
               <a:rPr lang="zh-CN" altLang="en-US" smtClean="0"/>
-              <a:t>2025/9/1</a:t>
+              <a:t>2025/9/4</a:t>
             </a:fld>
             <a:endParaRPr lang="zh-CN" altLang="en-US"/>
           </a:p>
@@ -2670,7 +2671,7 @@
           <a:p>
             <a:fld id="{89F3E5B7-C12F-4517-B12C-274743D69224}" type="datetimeFigureOut">
               <a:rPr lang="zh-CN" altLang="en-US" smtClean="0"/>
-              <a:t>2025/9/1</a:t>
+              <a:t>2025/9/4</a:t>
             </a:fld>
             <a:endParaRPr lang="zh-CN" altLang="en-US"/>
           </a:p>
@@ -2911,7 +2912,7 @@
           <a:p>
             <a:fld id="{89F3E5B7-C12F-4517-B12C-274743D69224}" type="datetimeFigureOut">
               <a:rPr lang="zh-CN" altLang="en-US" smtClean="0"/>
-              <a:t>2025/9/1</a:t>
+              <a:t>2025/9/4</a:t>
             </a:fld>
             <a:endParaRPr lang="zh-CN" altLang="en-US"/>
           </a:p>
@@ -3617,6 +3618,72 @@
 </p:sld>
 </file>
 
+<file path=ppt/slides/slide4.xml><?xml version="1.0" encoding="utf-8"?>
+<p:sld xmlns:a="http://schemas.openxmlformats.org/drawingml/2006/main" xmlns:r="http://schemas.openxmlformats.org/officeDocument/2006/relationships" xmlns:p="http://schemas.openxmlformats.org/presentationml/2006/main">
+  <p:cSld>
+    <p:spTree>
+      <p:nvGrpSpPr>
+        <p:cNvPr id="1" name=""/>
+        <p:cNvGrpSpPr/>
+        <p:nvPr/>
+      </p:nvGrpSpPr>
+      <p:grpSpPr>
+        <a:xfrm>
+          <a:off x="0" y="0"/>
+          <a:ext cx="0" cy="0"/>
+          <a:chOff x="0" y="0"/>
+          <a:chExt cx="0" cy="0"/>
+        </a:xfrm>
+      </p:grpSpPr>
+      <p:pic>
+        <p:nvPicPr>
+          <p:cNvPr id="5" name="图片 4" descr="图表, 折线图&#10;&#10;AI 生成的内容可能不正确。">
+            <a:extLst>
+              <a:ext uri="{FF2B5EF4-FFF2-40B4-BE49-F238E27FC236}">
+                <a16:creationId xmlns:a16="http://schemas.microsoft.com/office/drawing/2014/main" id="{2C7DF867-A6F4-1820-9056-5DB5449F4E41}"/>
+              </a:ext>
+            </a:extLst>
+          </p:cNvPr>
+          <p:cNvPicPr>
+            <a:picLocks noChangeAspect="1"/>
+          </p:cNvPicPr>
+          <p:nvPr/>
+        </p:nvPicPr>
+        <p:blipFill>
+          <a:blip r:embed="rId2">
+            <a:extLst>
+              <a:ext uri="{28A0092B-C50C-407E-A947-70E740481C1C}">
+                <a14:useLocalDpi xmlns:a14="http://schemas.microsoft.com/office/drawing/2010/main" val="0"/>
+              </a:ext>
+            </a:extLst>
+          </a:blip>
+          <a:stretch>
+            <a:fillRect/>
+          </a:stretch>
+        </p:blipFill>
+        <p:spPr>
+          <a:xfrm>
+            <a:off x="1917998" y="570093"/>
+            <a:ext cx="8229878" cy="5486585"/>
+          </a:xfrm>
+          <a:prstGeom prst="rect">
+            <a:avLst/>
+          </a:prstGeom>
+        </p:spPr>
+      </p:pic>
+    </p:spTree>
+    <p:extLst>
+      <p:ext uri="{BB962C8B-B14F-4D97-AF65-F5344CB8AC3E}">
+        <p14:creationId xmlns:p14="http://schemas.microsoft.com/office/powerpoint/2010/main" val="3414691662"/>
+      </p:ext>
+    </p:extLst>
+  </p:cSld>
+  <p:clrMapOvr>
+    <a:masterClrMapping/>
+  </p:clrMapOvr>
+</p:sld>
+</file>
+
 <file path=ppt/theme/theme1.xml><?xml version="1.0" encoding="utf-8"?>
 <a:theme xmlns:a="http://schemas.openxmlformats.org/drawingml/2006/main" name="Office 主题​​">
   <a:themeElements>

--- a/images/posts/post_2/新建 Microsoft PowerPoint 演示文稿.pptx
+++ b/images/posts/post_2/新建 Microsoft PowerPoint 演示文稿.pptx
@@ -9,6 +9,7 @@
     <p:sldId id="257" r:id="rId3"/>
     <p:sldId id="258" r:id="rId4"/>
     <p:sldId id="259" r:id="rId5"/>
+    <p:sldId id="260" r:id="rId6"/>
   </p:sldIdLst>
   <p:sldSz cx="12192000" cy="6858000"/>
   <p:notesSz cx="6858000" cy="9144000"/>
@@ -262,7 +263,7 @@
           <a:p>
             <a:fld id="{89F3E5B7-C12F-4517-B12C-274743D69224}" type="datetimeFigureOut">
               <a:rPr lang="zh-CN" altLang="en-US" smtClean="0"/>
-              <a:t>2025/9/4</a:t>
+              <a:t>2025/9/13</a:t>
             </a:fld>
             <a:endParaRPr lang="zh-CN" altLang="en-US"/>
           </a:p>
@@ -460,7 +461,7 @@
           <a:p>
             <a:fld id="{89F3E5B7-C12F-4517-B12C-274743D69224}" type="datetimeFigureOut">
               <a:rPr lang="zh-CN" altLang="en-US" smtClean="0"/>
-              <a:t>2025/9/4</a:t>
+              <a:t>2025/9/13</a:t>
             </a:fld>
             <a:endParaRPr lang="zh-CN" altLang="en-US"/>
           </a:p>
@@ -668,7 +669,7 @@
           <a:p>
             <a:fld id="{89F3E5B7-C12F-4517-B12C-274743D69224}" type="datetimeFigureOut">
               <a:rPr lang="zh-CN" altLang="en-US" smtClean="0"/>
-              <a:t>2025/9/4</a:t>
+              <a:t>2025/9/13</a:t>
             </a:fld>
             <a:endParaRPr lang="zh-CN" altLang="en-US"/>
           </a:p>
@@ -866,7 +867,7 @@
           <a:p>
             <a:fld id="{89F3E5B7-C12F-4517-B12C-274743D69224}" type="datetimeFigureOut">
               <a:rPr lang="zh-CN" altLang="en-US" smtClean="0"/>
-              <a:t>2025/9/4</a:t>
+              <a:t>2025/9/13</a:t>
             </a:fld>
             <a:endParaRPr lang="zh-CN" altLang="en-US"/>
           </a:p>
@@ -1141,7 +1142,7 @@
           <a:p>
             <a:fld id="{89F3E5B7-C12F-4517-B12C-274743D69224}" type="datetimeFigureOut">
               <a:rPr lang="zh-CN" altLang="en-US" smtClean="0"/>
-              <a:t>2025/9/4</a:t>
+              <a:t>2025/9/13</a:t>
             </a:fld>
             <a:endParaRPr lang="zh-CN" altLang="en-US"/>
           </a:p>
@@ -1406,7 +1407,7 @@
           <a:p>
             <a:fld id="{89F3E5B7-C12F-4517-B12C-274743D69224}" type="datetimeFigureOut">
               <a:rPr lang="zh-CN" altLang="en-US" smtClean="0"/>
-              <a:t>2025/9/4</a:t>
+              <a:t>2025/9/13</a:t>
             </a:fld>
             <a:endParaRPr lang="zh-CN" altLang="en-US"/>
           </a:p>
@@ -1818,7 +1819,7 @@
           <a:p>
             <a:fld id="{89F3E5B7-C12F-4517-B12C-274743D69224}" type="datetimeFigureOut">
               <a:rPr lang="zh-CN" altLang="en-US" smtClean="0"/>
-              <a:t>2025/9/4</a:t>
+              <a:t>2025/9/13</a:t>
             </a:fld>
             <a:endParaRPr lang="zh-CN" altLang="en-US"/>
           </a:p>
@@ -1959,7 +1960,7 @@
           <a:p>
             <a:fld id="{89F3E5B7-C12F-4517-B12C-274743D69224}" type="datetimeFigureOut">
               <a:rPr lang="zh-CN" altLang="en-US" smtClean="0"/>
-              <a:t>2025/9/4</a:t>
+              <a:t>2025/9/13</a:t>
             </a:fld>
             <a:endParaRPr lang="zh-CN" altLang="en-US"/>
           </a:p>
@@ -2072,7 +2073,7 @@
           <a:p>
             <a:fld id="{89F3E5B7-C12F-4517-B12C-274743D69224}" type="datetimeFigureOut">
               <a:rPr lang="zh-CN" altLang="en-US" smtClean="0"/>
-              <a:t>2025/9/4</a:t>
+              <a:t>2025/9/13</a:t>
             </a:fld>
             <a:endParaRPr lang="zh-CN" altLang="en-US"/>
           </a:p>
@@ -2383,7 +2384,7 @@
           <a:p>
             <a:fld id="{89F3E5B7-C12F-4517-B12C-274743D69224}" type="datetimeFigureOut">
               <a:rPr lang="zh-CN" altLang="en-US" smtClean="0"/>
-              <a:t>2025/9/4</a:t>
+              <a:t>2025/9/13</a:t>
             </a:fld>
             <a:endParaRPr lang="zh-CN" altLang="en-US"/>
           </a:p>
@@ -2671,7 +2672,7 @@
           <a:p>
             <a:fld id="{89F3E5B7-C12F-4517-B12C-274743D69224}" type="datetimeFigureOut">
               <a:rPr lang="zh-CN" altLang="en-US" smtClean="0"/>
-              <a:t>2025/9/4</a:t>
+              <a:t>2025/9/13</a:t>
             </a:fld>
             <a:endParaRPr lang="zh-CN" altLang="en-US"/>
           </a:p>
@@ -2912,7 +2913,7 @@
           <a:p>
             <a:fld id="{89F3E5B7-C12F-4517-B12C-274743D69224}" type="datetimeFigureOut">
               <a:rPr lang="zh-CN" altLang="en-US" smtClean="0"/>
-              <a:t>2025/9/4</a:t>
+              <a:t>2025/9/13</a:t>
             </a:fld>
             <a:endParaRPr lang="zh-CN" altLang="en-US"/>
           </a:p>
@@ -3684,6 +3685,180 @@
 </p:sld>
 </file>
 
+<file path=ppt/slides/slide5.xml><?xml version="1.0" encoding="utf-8"?>
+<p:sld xmlns:a="http://schemas.openxmlformats.org/drawingml/2006/main" xmlns:r="http://schemas.openxmlformats.org/officeDocument/2006/relationships" xmlns:p="http://schemas.openxmlformats.org/presentationml/2006/main">
+  <p:cSld>
+    <p:spTree>
+      <p:nvGrpSpPr>
+        <p:cNvPr id="1" name=""/>
+        <p:cNvGrpSpPr/>
+        <p:nvPr/>
+      </p:nvGrpSpPr>
+      <p:grpSpPr>
+        <a:xfrm>
+          <a:off x="0" y="0"/>
+          <a:ext cx="0" cy="0"/>
+          <a:chOff x="0" y="0"/>
+          <a:chExt cx="0" cy="0"/>
+        </a:xfrm>
+      </p:grpSpPr>
+      <p:pic>
+        <p:nvPicPr>
+          <p:cNvPr id="7" name="图片 6">
+            <a:extLst>
+              <a:ext uri="{FF2B5EF4-FFF2-40B4-BE49-F238E27FC236}">
+                <a16:creationId xmlns:a16="http://schemas.microsoft.com/office/drawing/2014/main" id="{F3C6424C-AAD6-D4CC-7D6A-B570AF9E8A3D}"/>
+              </a:ext>
+            </a:extLst>
+          </p:cNvPr>
+          <p:cNvPicPr>
+            <a:picLocks noChangeAspect="1"/>
+          </p:cNvPicPr>
+          <p:nvPr/>
+        </p:nvPicPr>
+        <p:blipFill>
+          <a:blip r:embed="rId2"/>
+          <a:stretch>
+            <a:fillRect/>
+          </a:stretch>
+        </p:blipFill>
+        <p:spPr>
+          <a:xfrm>
+            <a:off x="6461323" y="1080453"/>
+            <a:ext cx="5573025" cy="4106828"/>
+          </a:xfrm>
+          <a:prstGeom prst="rect">
+            <a:avLst/>
+          </a:prstGeom>
+        </p:spPr>
+      </p:pic>
+      <p:pic>
+        <p:nvPicPr>
+          <p:cNvPr id="9" name="图片 8">
+            <a:extLst>
+              <a:ext uri="{FF2B5EF4-FFF2-40B4-BE49-F238E27FC236}">
+                <a16:creationId xmlns:a16="http://schemas.microsoft.com/office/drawing/2014/main" id="{195E8683-EC51-0BA7-F4C2-673F3D7CB817}"/>
+              </a:ext>
+            </a:extLst>
+          </p:cNvPr>
+          <p:cNvPicPr>
+            <a:picLocks noChangeAspect="1"/>
+          </p:cNvPicPr>
+          <p:nvPr/>
+        </p:nvPicPr>
+        <p:blipFill>
+          <a:blip r:embed="rId3"/>
+          <a:stretch>
+            <a:fillRect/>
+          </a:stretch>
+        </p:blipFill>
+        <p:spPr>
+          <a:xfrm>
+            <a:off x="120869" y="1081704"/>
+            <a:ext cx="5728138" cy="4106828"/>
+          </a:xfrm>
+          <a:prstGeom prst="rect">
+            <a:avLst/>
+          </a:prstGeom>
+        </p:spPr>
+      </p:pic>
+      <p:sp>
+        <p:nvSpPr>
+          <p:cNvPr id="10" name="文本框 9">
+            <a:extLst>
+              <a:ext uri="{FF2B5EF4-FFF2-40B4-BE49-F238E27FC236}">
+                <a16:creationId xmlns:a16="http://schemas.microsoft.com/office/drawing/2014/main" id="{1E1A6B8F-6307-864D-1A1B-ACF63BC43B42}"/>
+              </a:ext>
+            </a:extLst>
+          </p:cNvPr>
+          <p:cNvSpPr txBox="1"/>
+          <p:nvPr/>
+        </p:nvSpPr>
+        <p:spPr>
+          <a:xfrm>
+            <a:off x="1975944" y="600763"/>
+            <a:ext cx="2388411" cy="369332"/>
+          </a:xfrm>
+          <a:prstGeom prst="rect">
+            <a:avLst/>
+          </a:prstGeom>
+          <a:noFill/>
+        </p:spPr>
+        <p:txBody>
+          <a:bodyPr wrap="none" rtlCol="0">
+            <a:spAutoFit/>
+          </a:bodyPr>
+          <a:lstStyle/>
+          <a:p>
+            <a:r>
+              <a:rPr lang="en-US" altLang="zh-CN" dirty="0">
+                <a:latin typeface="微软雅黑" panose="020B0503020204020204" pitchFamily="34" charset="-122"/>
+                <a:ea typeface="微软雅黑" panose="020B0503020204020204" pitchFamily="34" charset="-122"/>
+              </a:rPr>
+              <a:t>MI across Timestep </a:t>
+            </a:r>
+            <a:endParaRPr lang="zh-CN" altLang="en-US" dirty="0">
+              <a:latin typeface="微软雅黑" panose="020B0503020204020204" pitchFamily="34" charset="-122"/>
+              <a:ea typeface="微软雅黑" panose="020B0503020204020204" pitchFamily="34" charset="-122"/>
+            </a:endParaRPr>
+          </a:p>
+        </p:txBody>
+      </p:sp>
+      <p:sp>
+        <p:nvSpPr>
+          <p:cNvPr id="11" name="文本框 10">
+            <a:extLst>
+              <a:ext uri="{FF2B5EF4-FFF2-40B4-BE49-F238E27FC236}">
+                <a16:creationId xmlns:a16="http://schemas.microsoft.com/office/drawing/2014/main" id="{B2B653CD-09DA-4865-5E8D-B5B7CB331767}"/>
+              </a:ext>
+            </a:extLst>
+          </p:cNvPr>
+          <p:cNvSpPr txBox="1"/>
+          <p:nvPr/>
+        </p:nvSpPr>
+        <p:spPr>
+          <a:xfrm>
+            <a:off x="8358841" y="600763"/>
+            <a:ext cx="1777987" cy="369332"/>
+          </a:xfrm>
+          <a:prstGeom prst="rect">
+            <a:avLst/>
+          </a:prstGeom>
+          <a:noFill/>
+        </p:spPr>
+        <p:txBody>
+          <a:bodyPr wrap="none" rtlCol="0">
+            <a:spAutoFit/>
+          </a:bodyPr>
+          <a:lstStyle/>
+          <a:p>
+            <a:r>
+              <a:rPr lang="en-US" altLang="zh-CN" dirty="0">
+                <a:latin typeface="微软雅黑" panose="020B0503020204020204" pitchFamily="34" charset="-122"/>
+                <a:ea typeface="微软雅黑" panose="020B0503020204020204" pitchFamily="34" charset="-122"/>
+              </a:rPr>
+              <a:t>MI across SNR</a:t>
+            </a:r>
+            <a:endParaRPr lang="zh-CN" altLang="en-US" dirty="0">
+              <a:latin typeface="微软雅黑" panose="020B0503020204020204" pitchFamily="34" charset="-122"/>
+              <a:ea typeface="微软雅黑" panose="020B0503020204020204" pitchFamily="34" charset="-122"/>
+            </a:endParaRPr>
+          </a:p>
+        </p:txBody>
+      </p:sp>
+    </p:spTree>
+    <p:extLst>
+      <p:ext uri="{BB962C8B-B14F-4D97-AF65-F5344CB8AC3E}">
+        <p14:creationId xmlns:p14="http://schemas.microsoft.com/office/powerpoint/2010/main" val="4186057681"/>
+      </p:ext>
+    </p:extLst>
+  </p:cSld>
+  <p:clrMapOvr>
+    <a:masterClrMapping/>
+  </p:clrMapOvr>
+</p:sld>
+</file>
+
 <file path=ppt/theme/theme1.xml><?xml version="1.0" encoding="utf-8"?>
 <a:theme xmlns:a="http://schemas.openxmlformats.org/drawingml/2006/main" name="Office 主题​​">
   <a:themeElements>
